--- a/Project.pptx
+++ b/Project.pptx
@@ -8,9 +8,11 @@
     <p:sldId id="256" r:id="rId2"/>
     <p:sldId id="258" r:id="rId3"/>
     <p:sldId id="259" r:id="rId4"/>
-    <p:sldId id="260" r:id="rId5"/>
-    <p:sldId id="261" r:id="rId6"/>
-    <p:sldId id="257" r:id="rId7"/>
+    <p:sldId id="262" r:id="rId5"/>
+    <p:sldId id="263" r:id="rId6"/>
+    <p:sldId id="260" r:id="rId7"/>
+    <p:sldId id="261" r:id="rId8"/>
+    <p:sldId id="257" r:id="rId9"/>
   </p:sldIdLst>
   <p:sldSz cx="12192000" cy="6858000"/>
   <p:notesSz cx="6858000" cy="9144000"/>
@@ -850,7 +852,7 @@
           <a:p>
             <a:fld id="{369A1430-39E0-4F3A-B158-DA2850719966}" type="datetimeFigureOut">
               <a:rPr lang="ru-RU" smtClean="0"/>
-              <a:t>26.02.2021</a:t>
+              <a:t>05.03.2021</a:t>
             </a:fld>
             <a:endParaRPr lang="ru-RU"/>
           </a:p>
@@ -1101,7 +1103,7 @@
           <a:p>
             <a:fld id="{369A1430-39E0-4F3A-B158-DA2850719966}" type="datetimeFigureOut">
               <a:rPr lang="ru-RU" smtClean="0"/>
-              <a:t>26.02.2021</a:t>
+              <a:t>05.03.2021</a:t>
             </a:fld>
             <a:endParaRPr lang="ru-RU"/>
           </a:p>
@@ -1415,7 +1417,7 @@
           <a:p>
             <a:fld id="{369A1430-39E0-4F3A-B158-DA2850719966}" type="datetimeFigureOut">
               <a:rPr lang="ru-RU" smtClean="0"/>
-              <a:t>26.02.2021</a:t>
+              <a:t>05.03.2021</a:t>
             </a:fld>
             <a:endParaRPr lang="ru-RU"/>
           </a:p>
@@ -1756,7 +1758,7 @@
           <a:p>
             <a:fld id="{369A1430-39E0-4F3A-B158-DA2850719966}" type="datetimeFigureOut">
               <a:rPr lang="ru-RU" smtClean="0"/>
-              <a:t>26.02.2021</a:t>
+              <a:t>05.03.2021</a:t>
             </a:fld>
             <a:endParaRPr lang="ru-RU"/>
           </a:p>
@@ -2070,7 +2072,7 @@
           <a:p>
             <a:fld id="{369A1430-39E0-4F3A-B158-DA2850719966}" type="datetimeFigureOut">
               <a:rPr lang="ru-RU" smtClean="0"/>
-              <a:t>26.02.2021</a:t>
+              <a:t>05.03.2021</a:t>
             </a:fld>
             <a:endParaRPr lang="ru-RU"/>
           </a:p>
@@ -2463,7 +2465,7 @@
           <a:p>
             <a:fld id="{369A1430-39E0-4F3A-B158-DA2850719966}" type="datetimeFigureOut">
               <a:rPr lang="ru-RU" smtClean="0"/>
-              <a:t>26.02.2021</a:t>
+              <a:t>05.03.2021</a:t>
             </a:fld>
             <a:endParaRPr lang="ru-RU"/>
           </a:p>
@@ -2633,7 +2635,7 @@
           <a:p>
             <a:fld id="{369A1430-39E0-4F3A-B158-DA2850719966}" type="datetimeFigureOut">
               <a:rPr lang="ru-RU" smtClean="0"/>
-              <a:t>26.02.2021</a:t>
+              <a:t>05.03.2021</a:t>
             </a:fld>
             <a:endParaRPr lang="ru-RU"/>
           </a:p>
@@ -2813,7 +2815,7 @@
           <a:p>
             <a:fld id="{369A1430-39E0-4F3A-B158-DA2850719966}" type="datetimeFigureOut">
               <a:rPr lang="ru-RU" smtClean="0"/>
-              <a:t>26.02.2021</a:t>
+              <a:t>05.03.2021</a:t>
             </a:fld>
             <a:endParaRPr lang="ru-RU"/>
           </a:p>
@@ -2989,7 +2991,7 @@
           <a:p>
             <a:fld id="{369A1430-39E0-4F3A-B158-DA2850719966}" type="datetimeFigureOut">
               <a:rPr lang="ru-RU" smtClean="0"/>
-              <a:t>26.02.2021</a:t>
+              <a:t>05.03.2021</a:t>
             </a:fld>
             <a:endParaRPr lang="ru-RU"/>
           </a:p>
@@ -3236,7 +3238,7 @@
           <a:p>
             <a:fld id="{369A1430-39E0-4F3A-B158-DA2850719966}" type="datetimeFigureOut">
               <a:rPr lang="ru-RU" smtClean="0"/>
-              <a:t>26.02.2021</a:t>
+              <a:t>05.03.2021</a:t>
             </a:fld>
             <a:endParaRPr lang="ru-RU"/>
           </a:p>
@@ -3468,7 +3470,7 @@
           <a:p>
             <a:fld id="{369A1430-39E0-4F3A-B158-DA2850719966}" type="datetimeFigureOut">
               <a:rPr lang="ru-RU" smtClean="0"/>
-              <a:t>26.02.2021</a:t>
+              <a:t>05.03.2021</a:t>
             </a:fld>
             <a:endParaRPr lang="ru-RU"/>
           </a:p>
@@ -3842,7 +3844,7 @@
           <a:p>
             <a:fld id="{369A1430-39E0-4F3A-B158-DA2850719966}" type="datetimeFigureOut">
               <a:rPr lang="ru-RU" smtClean="0"/>
-              <a:t>26.02.2021</a:t>
+              <a:t>05.03.2021</a:t>
             </a:fld>
             <a:endParaRPr lang="ru-RU"/>
           </a:p>
@@ -3965,7 +3967,7 @@
           <a:p>
             <a:fld id="{369A1430-39E0-4F3A-B158-DA2850719966}" type="datetimeFigureOut">
               <a:rPr lang="ru-RU" smtClean="0"/>
-              <a:t>26.02.2021</a:t>
+              <a:t>05.03.2021</a:t>
             </a:fld>
             <a:endParaRPr lang="ru-RU"/>
           </a:p>
@@ -4060,7 +4062,7 @@
           <a:p>
             <a:fld id="{369A1430-39E0-4F3A-B158-DA2850719966}" type="datetimeFigureOut">
               <a:rPr lang="ru-RU" smtClean="0"/>
-              <a:t>26.02.2021</a:t>
+              <a:t>05.03.2021</a:t>
             </a:fld>
             <a:endParaRPr lang="ru-RU"/>
           </a:p>
@@ -4315,7 +4317,7 @@
           <a:p>
             <a:fld id="{369A1430-39E0-4F3A-B158-DA2850719966}" type="datetimeFigureOut">
               <a:rPr lang="ru-RU" smtClean="0"/>
-              <a:t>26.02.2021</a:t>
+              <a:t>05.03.2021</a:t>
             </a:fld>
             <a:endParaRPr lang="ru-RU"/>
           </a:p>
@@ -4578,7 +4580,7 @@
           <a:p>
             <a:fld id="{369A1430-39E0-4F3A-B158-DA2850719966}" type="datetimeFigureOut">
               <a:rPr lang="ru-RU" smtClean="0"/>
-              <a:t>26.02.2021</a:t>
+              <a:t>05.03.2021</a:t>
             </a:fld>
             <a:endParaRPr lang="ru-RU"/>
           </a:p>
@@ -5321,7 +5323,7 @@
           <a:p>
             <a:fld id="{369A1430-39E0-4F3A-B158-DA2850719966}" type="datetimeFigureOut">
               <a:rPr lang="ru-RU" smtClean="0"/>
-              <a:t>26.02.2021</a:t>
+              <a:t>05.03.2021</a:t>
             </a:fld>
             <a:endParaRPr lang="ru-RU"/>
           </a:p>
@@ -5855,7 +5857,12 @@
             <p:ph type="ctrTitle"/>
           </p:nvPr>
         </p:nvSpPr>
-        <p:spPr/>
+        <p:spPr>
+          <a:xfrm>
+            <a:off x="1521355" y="2404534"/>
+            <a:ext cx="7766936" cy="1646302"/>
+          </a:xfrm>
+        </p:spPr>
         <p:txBody>
           <a:bodyPr>
             <a:normAutofit fontScale="90000"/>
@@ -5863,10 +5870,29 @@
           <a:lstStyle/>
           <a:p>
             <a:r>
-              <a:rPr lang="en-US" dirty="0" smtClean="0"/>
-              <a:t>Identification of students at risk of alcoholism by biography.</a:t>
-            </a:r>
-            <a:endParaRPr lang="ru-RU" dirty="0"/>
+              <a:rPr lang="en-US" b="1" dirty="0"/>
+              <a:t>News </a:t>
+            </a:r>
+            <a:r>
+              <a:rPr lang="en-US" b="1" dirty="0" smtClean="0"/>
+              <a:t>Classification:</a:t>
+            </a:r>
+            <a:br>
+              <a:rPr lang="en-US" b="1" dirty="0" smtClean="0"/>
+            </a:br>
+            <a:r>
+              <a:rPr lang="en-US" b="1" dirty="0" smtClean="0"/>
+              <a:t>fake or truth with </a:t>
+            </a:r>
+            <a:r>
+              <a:rPr lang="en-US" b="1" dirty="0" err="1" smtClean="0"/>
+              <a:t>senthimatic</a:t>
+            </a:r>
+            <a:r>
+              <a:rPr lang="en-US" b="1" dirty="0" smtClean="0"/>
+              <a:t> analysis</a:t>
+            </a:r>
+            <a:endParaRPr lang="en-US" b="1" dirty="0"/>
           </a:p>
         </p:txBody>
       </p:sp>
@@ -5907,6 +5933,13 @@
   <p:clrMapOvr>
     <a:masterClrMapping/>
   </p:clrMapOvr>
+  <p:timing>
+    <p:tnLst>
+      <p:par>
+        <p:cTn id="1" dur="indefinite" restart="never" nodeType="tmRoot"/>
+      </p:par>
+    </p:tnLst>
+  </p:timing>
 </p:sld>
 </file>
 
@@ -5967,7 +6000,7 @@
           <a:p>
             <a:r>
               <a:rPr lang="en-US" dirty="0"/>
-              <a:t>There is a possibility that alcohol addiction can become chronic. Many factors, from physiological to social, can contribute to this. In order to identify potential patients at an early stage, we can analyze data taken from their autobiographies.</a:t>
+              <a:t>Politics and personal ambition in the era of globalization affects a huge number of lives. Therefore, the media and social networks have become a new battleground for the attention and sympathy of the public and, accordingly, for political points.</a:t>
             </a:r>
             <a:endParaRPr lang="ru-RU" dirty="0"/>
           </a:p>
@@ -5983,6 +6016,13 @@
   <p:clrMapOvr>
     <a:masterClrMapping/>
   </p:clrMapOvr>
+  <p:timing>
+    <p:tnLst>
+      <p:par>
+        <p:cTn id="1" dur="indefinite" restart="never" nodeType="tmRoot"/>
+      </p:par>
+    </p:tnLst>
+  </p:timing>
 </p:sld>
 </file>
 
@@ -6043,7 +6083,7 @@
           <a:p>
             <a:r>
               <a:rPr lang="en-US" dirty="0"/>
-              <a:t>There is data on alcohol consumption by students of 2 faculties: mathematics and philology for 2018.34 variables and 382 students.</a:t>
+              <a:t>Various sets of news headlines, articles and emotional sets to work with the teacher. (Confirmation of results)</a:t>
             </a:r>
             <a:endParaRPr lang="ru-RU" dirty="0"/>
           </a:p>
@@ -6059,6 +6099,13 @@
   <p:clrMapOvr>
     <a:masterClrMapping/>
   </p:clrMapOvr>
+  <p:timing>
+    <p:tnLst>
+      <p:par>
+        <p:cTn id="1" dur="indefinite" restart="never" nodeType="tmRoot"/>
+      </p:par>
+    </p:tnLst>
+  </p:timing>
 </p:sld>
 </file>
 
@@ -6095,8 +6142,12 @@
           <a:lstStyle/>
           <a:p>
             <a:r>
+              <a:rPr lang="en-US" dirty="0"/>
+              <a:t>What has already been </a:t>
+            </a:r>
+            <a:r>
               <a:rPr lang="en-US" dirty="0" smtClean="0"/>
-              <a:t>Input form</a:t>
+              <a:t>done</a:t>
             </a:r>
             <a:endParaRPr lang="ru-RU" dirty="0"/>
           </a:p>
@@ -6119,7 +6170,7 @@
           <a:p>
             <a:r>
               <a:rPr lang="en-US" dirty="0"/>
-              <a:t>A student writes an autobiography before entering the university, before receiving some documents or before hiring. We can use it to identify potential predisposition.</a:t>
+              <a:t>Work was carried out to analyze each dataset, and systems for recognizing spam, topics and emotions were created.</a:t>
             </a:r>
             <a:endParaRPr lang="ru-RU" dirty="0"/>
           </a:p>
@@ -6128,7 +6179,7 @@
     </p:spTree>
     <p:extLst>
       <p:ext uri="{BB962C8B-B14F-4D97-AF65-F5344CB8AC3E}">
-        <p14:creationId xmlns:p14="http://schemas.microsoft.com/office/powerpoint/2010/main" val="646965468"/>
+        <p14:creationId xmlns:p14="http://schemas.microsoft.com/office/powerpoint/2010/main" val="2408973071"/>
       </p:ext>
     </p:extLst>
   </p:cSld>
@@ -6170,11 +6221,7 @@
           <a:bodyPr/>
           <a:lstStyle/>
           <a:p>
-            <a:r>
-              <a:rPr lang="en-US" dirty="0" smtClean="0"/>
-              <a:t>Benefits</a:t>
-            </a:r>
-            <a:endParaRPr lang="ru-RU" dirty="0"/>
+            <a:endParaRPr lang="ru-RU"/>
           </a:p>
         </p:txBody>
       </p:sp>
@@ -6194,25 +6241,17 @@
           <a:lstStyle/>
           <a:p>
             <a:r>
-              <a:rPr lang="en-US" dirty="0"/>
-              <a:t>This analysis can be used for hiring, issuing insurance and loans, admission to a university and in the passage of routine medical </a:t>
-            </a:r>
-            <a:r>
-              <a:rPr lang="en-US" dirty="0" err="1"/>
-              <a:t>examinations.This</a:t>
-            </a:r>
-            <a:r>
-              <a:rPr lang="en-US" dirty="0"/>
-              <a:t> will help screen out and categorize people by different organizations and serve as an additional tool for evaluating candidates.</a:t>
-            </a:r>
-            <a:endParaRPr lang="ru-RU" dirty="0"/>
+              <a:rPr lang="en-US" smtClean="0"/>
+              <a:t>I will use RNN</a:t>
+            </a:r>
+            <a:endParaRPr lang="ru-RU"/>
           </a:p>
         </p:txBody>
       </p:sp>
     </p:spTree>
     <p:extLst>
       <p:ext uri="{BB962C8B-B14F-4D97-AF65-F5344CB8AC3E}">
-        <p14:creationId xmlns:p14="http://schemas.microsoft.com/office/powerpoint/2010/main" val="3440788332"/>
+        <p14:creationId xmlns:p14="http://schemas.microsoft.com/office/powerpoint/2010/main" val="3968545282"/>
       </p:ext>
     </p:extLst>
   </p:cSld>
@@ -6256,6 +6295,158 @@
           <a:p>
             <a:r>
               <a:rPr lang="en-US" dirty="0" smtClean="0"/>
+              <a:t>Input form</a:t>
+            </a:r>
+            <a:endParaRPr lang="ru-RU" dirty="0"/>
+          </a:p>
+        </p:txBody>
+      </p:sp>
+      <p:sp>
+        <p:nvSpPr>
+          <p:cNvPr id="3" name="Объект 2"/>
+          <p:cNvSpPr>
+            <a:spLocks noGrp="1"/>
+          </p:cNvSpPr>
+          <p:nvPr>
+            <p:ph idx="1"/>
+          </p:nvPr>
+        </p:nvSpPr>
+        <p:spPr/>
+        <p:txBody>
+          <a:bodyPr/>
+          <a:lstStyle/>
+          <a:p>
+            <a:r>
+              <a:rPr lang="en-US" dirty="0"/>
+              <a:t>You need to enter a title and text in English. Then the system will determine the category of the article and its reliability.</a:t>
+            </a:r>
+            <a:endParaRPr lang="ru-RU" dirty="0"/>
+          </a:p>
+        </p:txBody>
+      </p:sp>
+    </p:spTree>
+    <p:extLst>
+      <p:ext uri="{BB962C8B-B14F-4D97-AF65-F5344CB8AC3E}">
+        <p14:creationId xmlns:p14="http://schemas.microsoft.com/office/powerpoint/2010/main" val="646965468"/>
+      </p:ext>
+    </p:extLst>
+  </p:cSld>
+  <p:clrMapOvr>
+    <a:masterClrMapping/>
+  </p:clrMapOvr>
+</p:sld>
+</file>
+
+<file path=ppt/slides/slide7.xml><?xml version="1.0" encoding="utf-8"?>
+<p:sld xmlns:a="http://schemas.openxmlformats.org/drawingml/2006/main" xmlns:r="http://schemas.openxmlformats.org/officeDocument/2006/relationships" xmlns:p="http://schemas.openxmlformats.org/presentationml/2006/main">
+  <p:cSld>
+    <p:spTree>
+      <p:nvGrpSpPr>
+        <p:cNvPr id="1" name=""/>
+        <p:cNvGrpSpPr/>
+        <p:nvPr/>
+      </p:nvGrpSpPr>
+      <p:grpSpPr>
+        <a:xfrm>
+          <a:off x="0" y="0"/>
+          <a:ext cx="0" cy="0"/>
+          <a:chOff x="0" y="0"/>
+          <a:chExt cx="0" cy="0"/>
+        </a:xfrm>
+      </p:grpSpPr>
+      <p:sp>
+        <p:nvSpPr>
+          <p:cNvPr id="2" name="Заголовок 1"/>
+          <p:cNvSpPr>
+            <a:spLocks noGrp="1"/>
+          </p:cNvSpPr>
+          <p:nvPr>
+            <p:ph type="title"/>
+          </p:nvPr>
+        </p:nvSpPr>
+        <p:spPr/>
+        <p:txBody>
+          <a:bodyPr/>
+          <a:lstStyle/>
+          <a:p>
+            <a:r>
+              <a:rPr lang="en-US" dirty="0"/>
+              <a:t>New application</a:t>
+            </a:r>
+            <a:endParaRPr lang="ru-RU" dirty="0"/>
+          </a:p>
+        </p:txBody>
+      </p:sp>
+      <p:sp>
+        <p:nvSpPr>
+          <p:cNvPr id="3" name="Объект 2"/>
+          <p:cNvSpPr>
+            <a:spLocks noGrp="1"/>
+          </p:cNvSpPr>
+          <p:nvPr>
+            <p:ph idx="1"/>
+          </p:nvPr>
+        </p:nvSpPr>
+        <p:spPr/>
+        <p:txBody>
+          <a:bodyPr/>
+          <a:lstStyle/>
+          <a:p>
+            <a:r>
+              <a:rPr lang="en-US" dirty="0"/>
+              <a:t>I will be using a large database and will combine several evaluation criteria.</a:t>
+            </a:r>
+            <a:endParaRPr lang="ru-RU" dirty="0"/>
+          </a:p>
+        </p:txBody>
+      </p:sp>
+    </p:spTree>
+    <p:extLst>
+      <p:ext uri="{BB962C8B-B14F-4D97-AF65-F5344CB8AC3E}">
+        <p14:creationId xmlns:p14="http://schemas.microsoft.com/office/powerpoint/2010/main" val="3440788332"/>
+      </p:ext>
+    </p:extLst>
+  </p:cSld>
+  <p:clrMapOvr>
+    <a:masterClrMapping/>
+  </p:clrMapOvr>
+</p:sld>
+</file>
+
+<file path=ppt/slides/slide8.xml><?xml version="1.0" encoding="utf-8"?>
+<p:sld xmlns:a="http://schemas.openxmlformats.org/drawingml/2006/main" xmlns:r="http://schemas.openxmlformats.org/officeDocument/2006/relationships" xmlns:p="http://schemas.openxmlformats.org/presentationml/2006/main">
+  <p:cSld>
+    <p:spTree>
+      <p:nvGrpSpPr>
+        <p:cNvPr id="1" name=""/>
+        <p:cNvGrpSpPr/>
+        <p:nvPr/>
+      </p:nvGrpSpPr>
+      <p:grpSpPr>
+        <a:xfrm>
+          <a:off x="0" y="0"/>
+          <a:ext cx="0" cy="0"/>
+          <a:chOff x="0" y="0"/>
+          <a:chExt cx="0" cy="0"/>
+        </a:xfrm>
+      </p:grpSpPr>
+      <p:sp>
+        <p:nvSpPr>
+          <p:cNvPr id="2" name="Заголовок 1"/>
+          <p:cNvSpPr>
+            <a:spLocks noGrp="1"/>
+          </p:cNvSpPr>
+          <p:nvPr>
+            <p:ph type="title"/>
+          </p:nvPr>
+        </p:nvSpPr>
+        <p:spPr/>
+        <p:txBody>
+          <a:bodyPr/>
+          <a:lstStyle/>
+          <a:p>
+            <a:r>
+              <a:rPr lang="en-US" dirty="0" smtClean="0"/>
               <a:t>Conclusion</a:t>
             </a:r>
             <a:endParaRPr lang="ru-RU" dirty="0"/>
@@ -6279,7 +6470,22 @@
           <a:p>
             <a:r>
               <a:rPr lang="en-US" dirty="0"/>
-              <a:t>In conclusion, I want to say that this algorithm can be useful to a wide group of people and the state, since students are the intellectual basis of any country.</a:t>
+              <a:t>In conclusion, I want to say that this algorithm can be useful to a wide group of people and the state, since students are the intellectual basis of any country</a:t>
+            </a:r>
+            <a:r>
+              <a:rPr lang="en-US" dirty="0" smtClean="0"/>
+              <a:t>.</a:t>
+            </a:r>
+            <a:endParaRPr lang="ru-RU" dirty="0" smtClean="0"/>
+          </a:p>
+          <a:p>
+            <a:r>
+              <a:rPr lang="en-US" dirty="0"/>
+              <a:t>This analysis can be used for hiring, issuing insurance and loans, admission to a university and in the passage of routine medical examinations. This will help screen out and categorize people by different organizations and serve as an additional tool for evaluating candidates</a:t>
+            </a:r>
+            <a:r>
+              <a:rPr lang="en-US" dirty="0" smtClean="0"/>
+              <a:t>.</a:t>
             </a:r>
             <a:endParaRPr lang="ru-RU" dirty="0"/>
           </a:p>

--- a/Project.pptx
+++ b/Project.pptx
@@ -12,7 +12,6 @@
     <p:sldId id="263" r:id="rId6"/>
     <p:sldId id="260" r:id="rId7"/>
     <p:sldId id="261" r:id="rId8"/>
-    <p:sldId id="257" r:id="rId9"/>
   </p:sldIdLst>
   <p:sldSz cx="12192000" cy="6858000"/>
   <p:notesSz cx="6858000" cy="9144000"/>
@@ -852,7 +851,7 @@
           <a:p>
             <a:fld id="{369A1430-39E0-4F3A-B158-DA2850719966}" type="datetimeFigureOut">
               <a:rPr lang="ru-RU" smtClean="0"/>
-              <a:t>05.03.2021</a:t>
+              <a:t>12.03.2021</a:t>
             </a:fld>
             <a:endParaRPr lang="ru-RU"/>
           </a:p>
@@ -1103,7 +1102,7 @@
           <a:p>
             <a:fld id="{369A1430-39E0-4F3A-B158-DA2850719966}" type="datetimeFigureOut">
               <a:rPr lang="ru-RU" smtClean="0"/>
-              <a:t>05.03.2021</a:t>
+              <a:t>12.03.2021</a:t>
             </a:fld>
             <a:endParaRPr lang="ru-RU"/>
           </a:p>
@@ -1417,7 +1416,7 @@
           <a:p>
             <a:fld id="{369A1430-39E0-4F3A-B158-DA2850719966}" type="datetimeFigureOut">
               <a:rPr lang="ru-RU" smtClean="0"/>
-              <a:t>05.03.2021</a:t>
+              <a:t>12.03.2021</a:t>
             </a:fld>
             <a:endParaRPr lang="ru-RU"/>
           </a:p>
@@ -1758,7 +1757,7 @@
           <a:p>
             <a:fld id="{369A1430-39E0-4F3A-B158-DA2850719966}" type="datetimeFigureOut">
               <a:rPr lang="ru-RU" smtClean="0"/>
-              <a:t>05.03.2021</a:t>
+              <a:t>12.03.2021</a:t>
             </a:fld>
             <a:endParaRPr lang="ru-RU"/>
           </a:p>
@@ -2072,7 +2071,7 @@
           <a:p>
             <a:fld id="{369A1430-39E0-4F3A-B158-DA2850719966}" type="datetimeFigureOut">
               <a:rPr lang="ru-RU" smtClean="0"/>
-              <a:t>05.03.2021</a:t>
+              <a:t>12.03.2021</a:t>
             </a:fld>
             <a:endParaRPr lang="ru-RU"/>
           </a:p>
@@ -2465,7 +2464,7 @@
           <a:p>
             <a:fld id="{369A1430-39E0-4F3A-B158-DA2850719966}" type="datetimeFigureOut">
               <a:rPr lang="ru-RU" smtClean="0"/>
-              <a:t>05.03.2021</a:t>
+              <a:t>12.03.2021</a:t>
             </a:fld>
             <a:endParaRPr lang="ru-RU"/>
           </a:p>
@@ -2635,7 +2634,7 @@
           <a:p>
             <a:fld id="{369A1430-39E0-4F3A-B158-DA2850719966}" type="datetimeFigureOut">
               <a:rPr lang="ru-RU" smtClean="0"/>
-              <a:t>05.03.2021</a:t>
+              <a:t>12.03.2021</a:t>
             </a:fld>
             <a:endParaRPr lang="ru-RU"/>
           </a:p>
@@ -2815,7 +2814,7 @@
           <a:p>
             <a:fld id="{369A1430-39E0-4F3A-B158-DA2850719966}" type="datetimeFigureOut">
               <a:rPr lang="ru-RU" smtClean="0"/>
-              <a:t>05.03.2021</a:t>
+              <a:t>12.03.2021</a:t>
             </a:fld>
             <a:endParaRPr lang="ru-RU"/>
           </a:p>
@@ -2991,7 +2990,7 @@
           <a:p>
             <a:fld id="{369A1430-39E0-4F3A-B158-DA2850719966}" type="datetimeFigureOut">
               <a:rPr lang="ru-RU" smtClean="0"/>
-              <a:t>05.03.2021</a:t>
+              <a:t>12.03.2021</a:t>
             </a:fld>
             <a:endParaRPr lang="ru-RU"/>
           </a:p>
@@ -3238,7 +3237,7 @@
           <a:p>
             <a:fld id="{369A1430-39E0-4F3A-B158-DA2850719966}" type="datetimeFigureOut">
               <a:rPr lang="ru-RU" smtClean="0"/>
-              <a:t>05.03.2021</a:t>
+              <a:t>12.03.2021</a:t>
             </a:fld>
             <a:endParaRPr lang="ru-RU"/>
           </a:p>
@@ -3470,7 +3469,7 @@
           <a:p>
             <a:fld id="{369A1430-39E0-4F3A-B158-DA2850719966}" type="datetimeFigureOut">
               <a:rPr lang="ru-RU" smtClean="0"/>
-              <a:t>05.03.2021</a:t>
+              <a:t>12.03.2021</a:t>
             </a:fld>
             <a:endParaRPr lang="ru-RU"/>
           </a:p>
@@ -3844,7 +3843,7 @@
           <a:p>
             <a:fld id="{369A1430-39E0-4F3A-B158-DA2850719966}" type="datetimeFigureOut">
               <a:rPr lang="ru-RU" smtClean="0"/>
-              <a:t>05.03.2021</a:t>
+              <a:t>12.03.2021</a:t>
             </a:fld>
             <a:endParaRPr lang="ru-RU"/>
           </a:p>
@@ -3967,7 +3966,7 @@
           <a:p>
             <a:fld id="{369A1430-39E0-4F3A-B158-DA2850719966}" type="datetimeFigureOut">
               <a:rPr lang="ru-RU" smtClean="0"/>
-              <a:t>05.03.2021</a:t>
+              <a:t>12.03.2021</a:t>
             </a:fld>
             <a:endParaRPr lang="ru-RU"/>
           </a:p>
@@ -4062,7 +4061,7 @@
           <a:p>
             <a:fld id="{369A1430-39E0-4F3A-B158-DA2850719966}" type="datetimeFigureOut">
               <a:rPr lang="ru-RU" smtClean="0"/>
-              <a:t>05.03.2021</a:t>
+              <a:t>12.03.2021</a:t>
             </a:fld>
             <a:endParaRPr lang="ru-RU"/>
           </a:p>
@@ -4317,7 +4316,7 @@
           <a:p>
             <a:fld id="{369A1430-39E0-4F3A-B158-DA2850719966}" type="datetimeFigureOut">
               <a:rPr lang="ru-RU" smtClean="0"/>
-              <a:t>05.03.2021</a:t>
+              <a:t>12.03.2021</a:t>
             </a:fld>
             <a:endParaRPr lang="ru-RU"/>
           </a:p>
@@ -4580,7 +4579,7 @@
           <a:p>
             <a:fld id="{369A1430-39E0-4F3A-B158-DA2850719966}" type="datetimeFigureOut">
               <a:rPr lang="ru-RU" smtClean="0"/>
-              <a:t>05.03.2021</a:t>
+              <a:t>12.03.2021</a:t>
             </a:fld>
             <a:endParaRPr lang="ru-RU"/>
           </a:p>
@@ -5323,7 +5322,7 @@
           <a:p>
             <a:fld id="{369A1430-39E0-4F3A-B158-DA2850719966}" type="datetimeFigureOut">
               <a:rPr lang="ru-RU" smtClean="0"/>
-              <a:t>05.03.2021</a:t>
+              <a:t>12.03.2021</a:t>
             </a:fld>
             <a:endParaRPr lang="ru-RU"/>
           </a:p>
@@ -6221,6 +6220,14 @@
           <a:bodyPr/>
           <a:lstStyle/>
           <a:p>
+            <a:r>
+              <a:rPr lang="en-US" dirty="0" smtClean="0"/>
+              <a:t>Algorithms </a:t>
+            </a:r>
+            <a:r>
+              <a:rPr lang="en-US" smtClean="0"/>
+              <a:t>and models</a:t>
+            </a:r>
             <a:endParaRPr lang="ru-RU"/>
           </a:p>
         </p:txBody>
@@ -6241,10 +6248,22 @@
           <a:lstStyle/>
           <a:p>
             <a:r>
-              <a:rPr lang="en-US" smtClean="0"/>
-              <a:t>I will use RNN</a:t>
-            </a:r>
-            <a:endParaRPr lang="ru-RU"/>
+              <a:rPr lang="en-US" dirty="0" smtClean="0"/>
+              <a:t>I will use </a:t>
+            </a:r>
+            <a:r>
+              <a:rPr lang="en-US" dirty="0" smtClean="0"/>
+              <a:t>RNN</a:t>
+            </a:r>
+          </a:p>
+          <a:p>
+            <a:endParaRPr lang="ru-RU" dirty="0" smtClean="0"/>
+          </a:p>
+          <a:p>
+            <a:endParaRPr lang="en-US" dirty="0" smtClean="0"/>
+          </a:p>
+          <a:p>
+            <a:endParaRPr lang="ru-RU" dirty="0"/>
           </a:p>
         </p:txBody>
       </p:sp>
@@ -6404,97 +6423,6 @@
     <p:extLst>
       <p:ext uri="{BB962C8B-B14F-4D97-AF65-F5344CB8AC3E}">
         <p14:creationId xmlns:p14="http://schemas.microsoft.com/office/powerpoint/2010/main" val="3440788332"/>
-      </p:ext>
-    </p:extLst>
-  </p:cSld>
-  <p:clrMapOvr>
-    <a:masterClrMapping/>
-  </p:clrMapOvr>
-</p:sld>
-</file>
-
-<file path=ppt/slides/slide8.xml><?xml version="1.0" encoding="utf-8"?>
-<p:sld xmlns:a="http://schemas.openxmlformats.org/drawingml/2006/main" xmlns:r="http://schemas.openxmlformats.org/officeDocument/2006/relationships" xmlns:p="http://schemas.openxmlformats.org/presentationml/2006/main">
-  <p:cSld>
-    <p:spTree>
-      <p:nvGrpSpPr>
-        <p:cNvPr id="1" name=""/>
-        <p:cNvGrpSpPr/>
-        <p:nvPr/>
-      </p:nvGrpSpPr>
-      <p:grpSpPr>
-        <a:xfrm>
-          <a:off x="0" y="0"/>
-          <a:ext cx="0" cy="0"/>
-          <a:chOff x="0" y="0"/>
-          <a:chExt cx="0" cy="0"/>
-        </a:xfrm>
-      </p:grpSpPr>
-      <p:sp>
-        <p:nvSpPr>
-          <p:cNvPr id="2" name="Заголовок 1"/>
-          <p:cNvSpPr>
-            <a:spLocks noGrp="1"/>
-          </p:cNvSpPr>
-          <p:nvPr>
-            <p:ph type="title"/>
-          </p:nvPr>
-        </p:nvSpPr>
-        <p:spPr/>
-        <p:txBody>
-          <a:bodyPr/>
-          <a:lstStyle/>
-          <a:p>
-            <a:r>
-              <a:rPr lang="en-US" dirty="0" smtClean="0"/>
-              <a:t>Conclusion</a:t>
-            </a:r>
-            <a:endParaRPr lang="ru-RU" dirty="0"/>
-          </a:p>
-        </p:txBody>
-      </p:sp>
-      <p:sp>
-        <p:nvSpPr>
-          <p:cNvPr id="3" name="Объект 2"/>
-          <p:cNvSpPr>
-            <a:spLocks noGrp="1"/>
-          </p:cNvSpPr>
-          <p:nvPr>
-            <p:ph idx="1"/>
-          </p:nvPr>
-        </p:nvSpPr>
-        <p:spPr/>
-        <p:txBody>
-          <a:bodyPr/>
-          <a:lstStyle/>
-          <a:p>
-            <a:r>
-              <a:rPr lang="en-US" dirty="0"/>
-              <a:t>In conclusion, I want to say that this algorithm can be useful to a wide group of people and the state, since students are the intellectual basis of any country</a:t>
-            </a:r>
-            <a:r>
-              <a:rPr lang="en-US" dirty="0" smtClean="0"/>
-              <a:t>.</a:t>
-            </a:r>
-            <a:endParaRPr lang="ru-RU" dirty="0" smtClean="0"/>
-          </a:p>
-          <a:p>
-            <a:r>
-              <a:rPr lang="en-US" dirty="0"/>
-              <a:t>This analysis can be used for hiring, issuing insurance and loans, admission to a university and in the passage of routine medical examinations. This will help screen out and categorize people by different organizations and serve as an additional tool for evaluating candidates</a:t>
-            </a:r>
-            <a:r>
-              <a:rPr lang="en-US" dirty="0" smtClean="0"/>
-              <a:t>.</a:t>
-            </a:r>
-            <a:endParaRPr lang="ru-RU" dirty="0"/>
-          </a:p>
-        </p:txBody>
-      </p:sp>
-    </p:spTree>
-    <p:extLst>
-      <p:ext uri="{BB962C8B-B14F-4D97-AF65-F5344CB8AC3E}">
-        <p14:creationId xmlns:p14="http://schemas.microsoft.com/office/powerpoint/2010/main" val="271291844"/>
       </p:ext>
     </p:extLst>
   </p:cSld>
